--- a/androidsec/안드로이드 역공학.pptx
+++ b/androidsec/안드로이드 역공학.pptx
@@ -20,11 +20,11 @@
     <p:sldId id="269" r:id="rId14"/>
     <p:sldId id="270" r:id="rId15"/>
     <p:sldId id="271" r:id="rId16"/>
-    <p:sldId id="272" r:id="rId17"/>
-    <p:sldId id="273" r:id="rId18"/>
-    <p:sldId id="274" r:id="rId19"/>
-    <p:sldId id="277" r:id="rId20"/>
-    <p:sldId id="275" r:id="rId21"/>
+    <p:sldId id="275" r:id="rId17"/>
+    <p:sldId id="272" r:id="rId18"/>
+    <p:sldId id="273" r:id="rId19"/>
+    <p:sldId id="274" r:id="rId20"/>
+    <p:sldId id="277" r:id="rId21"/>
     <p:sldId id="276" r:id="rId22"/>
   </p:sldIdLst>
   <p:sldSz cx="12192000" cy="6858000"/>
@@ -281,7 +281,7 @@
           <a:p>
             <a:fld id="{1CF9A619-5B69-4AEE-8BA3-50BFEB4CD8B9}" type="datetimeFigureOut">
               <a:rPr lang="en-US" smtClean="0"/>
-              <a:t>2019-01-20</a:t>
+              <a:t>2019-01-22</a:t>
             </a:fld>
             <a:endParaRPr lang="en-US"/>
           </a:p>
@@ -481,7 +481,7 @@
           <a:p>
             <a:fld id="{1CF9A619-5B69-4AEE-8BA3-50BFEB4CD8B9}" type="datetimeFigureOut">
               <a:rPr lang="en-US" smtClean="0"/>
-              <a:t>2019-01-20</a:t>
+              <a:t>2019-01-22</a:t>
             </a:fld>
             <a:endParaRPr lang="en-US"/>
           </a:p>
@@ -691,7 +691,7 @@
           <a:p>
             <a:fld id="{1CF9A619-5B69-4AEE-8BA3-50BFEB4CD8B9}" type="datetimeFigureOut">
               <a:rPr lang="en-US" smtClean="0"/>
-              <a:t>2019-01-20</a:t>
+              <a:t>2019-01-22</a:t>
             </a:fld>
             <a:endParaRPr lang="en-US"/>
           </a:p>
@@ -891,7 +891,7 @@
           <a:p>
             <a:fld id="{1CF9A619-5B69-4AEE-8BA3-50BFEB4CD8B9}" type="datetimeFigureOut">
               <a:rPr lang="en-US" smtClean="0"/>
-              <a:t>2019-01-20</a:t>
+              <a:t>2019-01-22</a:t>
             </a:fld>
             <a:endParaRPr lang="en-US"/>
           </a:p>
@@ -1167,7 +1167,7 @@
           <a:p>
             <a:fld id="{1CF9A619-5B69-4AEE-8BA3-50BFEB4CD8B9}" type="datetimeFigureOut">
               <a:rPr lang="en-US" smtClean="0"/>
-              <a:t>2019-01-20</a:t>
+              <a:t>2019-01-22</a:t>
             </a:fld>
             <a:endParaRPr lang="en-US"/>
           </a:p>
@@ -1435,7 +1435,7 @@
           <a:p>
             <a:fld id="{1CF9A619-5B69-4AEE-8BA3-50BFEB4CD8B9}" type="datetimeFigureOut">
               <a:rPr lang="en-US" smtClean="0"/>
-              <a:t>2019-01-20</a:t>
+              <a:t>2019-01-22</a:t>
             </a:fld>
             <a:endParaRPr lang="en-US"/>
           </a:p>
@@ -1850,7 +1850,7 @@
           <a:p>
             <a:fld id="{1CF9A619-5B69-4AEE-8BA3-50BFEB4CD8B9}" type="datetimeFigureOut">
               <a:rPr lang="en-US" smtClean="0"/>
-              <a:t>2019-01-20</a:t>
+              <a:t>2019-01-22</a:t>
             </a:fld>
             <a:endParaRPr lang="en-US"/>
           </a:p>
@@ -1992,7 +1992,7 @@
           <a:p>
             <a:fld id="{1CF9A619-5B69-4AEE-8BA3-50BFEB4CD8B9}" type="datetimeFigureOut">
               <a:rPr lang="en-US" smtClean="0"/>
-              <a:t>2019-01-20</a:t>
+              <a:t>2019-01-22</a:t>
             </a:fld>
             <a:endParaRPr lang="en-US"/>
           </a:p>
@@ -2105,7 +2105,7 @@
           <a:p>
             <a:fld id="{1CF9A619-5B69-4AEE-8BA3-50BFEB4CD8B9}" type="datetimeFigureOut">
               <a:rPr lang="en-US" smtClean="0"/>
-              <a:t>2019-01-20</a:t>
+              <a:t>2019-01-22</a:t>
             </a:fld>
             <a:endParaRPr lang="en-US"/>
           </a:p>
@@ -2418,7 +2418,7 @@
           <a:p>
             <a:fld id="{1CF9A619-5B69-4AEE-8BA3-50BFEB4CD8B9}" type="datetimeFigureOut">
               <a:rPr lang="en-US" smtClean="0"/>
-              <a:t>2019-01-20</a:t>
+              <a:t>2019-01-22</a:t>
             </a:fld>
             <a:endParaRPr lang="en-US"/>
           </a:p>
@@ -2707,7 +2707,7 @@
           <a:p>
             <a:fld id="{1CF9A619-5B69-4AEE-8BA3-50BFEB4CD8B9}" type="datetimeFigureOut">
               <a:rPr lang="en-US" smtClean="0"/>
-              <a:t>2019-01-20</a:t>
+              <a:t>2019-01-22</a:t>
             </a:fld>
             <a:endParaRPr lang="en-US"/>
           </a:p>
@@ -2950,7 +2950,7 @@
           <a:p>
             <a:fld id="{1CF9A619-5B69-4AEE-8BA3-50BFEB4CD8B9}" type="datetimeFigureOut">
               <a:rPr lang="en-US" smtClean="0"/>
-              <a:t>2019-01-20</a:t>
+              <a:t>2019-01-22</a:t>
             </a:fld>
             <a:endParaRPr lang="en-US"/>
           </a:p>
@@ -4610,18 +4610,6 @@
           <a:lstStyle/>
           <a:p>
             <a:r>
-              <a:rPr lang="en-US" dirty="0" err="1"/>
-              <a:t>jyheo@iSysLab-PEN</a:t>
-            </a:r>
-            <a:r>
-              <a:rPr lang="en-US" dirty="0"/>
-              <a:t>:~/doc/</a:t>
-            </a:r>
-            <a:r>
-              <a:rPr lang="en-US" dirty="0" err="1"/>
-              <a:t>androidsec</a:t>
-            </a:r>
-            <a:r>
               <a:rPr lang="en-US" dirty="0"/>
               <a:t>$ </a:t>
             </a:r>
@@ -4756,18 +4744,6 @@
           </a:p>
           <a:p>
             <a:r>
-              <a:rPr lang="en-US" dirty="0" err="1"/>
-              <a:t>jyheo@iSysLab-PEN</a:t>
-            </a:r>
-            <a:r>
-              <a:rPr lang="en-US" dirty="0"/>
-              <a:t>:~/doc/</a:t>
-            </a:r>
-            <a:r>
-              <a:rPr lang="en-US" dirty="0" err="1"/>
-              <a:t>androidsec</a:t>
-            </a:r>
-            <a:r>
               <a:rPr lang="en-US" dirty="0"/>
               <a:t>$ </a:t>
             </a:r>
@@ -4809,18 +4785,6 @@
             <a:endParaRPr lang="en-US" dirty="0"/>
           </a:p>
           <a:p>
-            <a:r>
-              <a:rPr lang="en-US" dirty="0" err="1"/>
-              <a:t>jyheo@iSysLab-PEN</a:t>
-            </a:r>
-            <a:r>
-              <a:rPr lang="en-US" dirty="0"/>
-              <a:t>:~/doc/</a:t>
-            </a:r>
-            <a:r>
-              <a:rPr lang="en-US" dirty="0" err="1"/>
-              <a:t>androidsec</a:t>
-            </a:r>
             <a:r>
               <a:rPr lang="en-US" dirty="0"/>
               <a:t>$</a:t>
@@ -5420,7 +5384,7 @@
           <p:cNvPr id="2" name="제목 1">
             <a:extLst>
               <a:ext uri="{FF2B5EF4-FFF2-40B4-BE49-F238E27FC236}">
-                <a16:creationId xmlns:a16="http://schemas.microsoft.com/office/drawing/2014/main" id="{AF93A109-674B-4456-855E-D5683FA9B4C5}"/>
+                <a16:creationId xmlns:a16="http://schemas.microsoft.com/office/drawing/2014/main" id="{B0C37951-77F4-4872-87A2-CD87CDA238CF}"/>
               </a:ext>
             </a:extLst>
           </p:cNvPr>
@@ -5437,142 +5401,129 @@
           <a:lstStyle/>
           <a:p>
             <a:r>
-              <a:rPr lang="en-US" dirty="0"/>
-              <a:t>JD GUI - Java </a:t>
+              <a:rPr lang="ko-KR" altLang="en-US" dirty="0"/>
+              <a:t>실습 </a:t>
+            </a:r>
+            <a:endParaRPr lang="en-US" dirty="0"/>
+          </a:p>
+        </p:txBody>
+      </p:sp>
+      <p:sp>
+        <p:nvSpPr>
+          <p:cNvPr id="3" name="내용 개체 틀 2">
+            <a:extLst>
+              <a:ext uri="{FF2B5EF4-FFF2-40B4-BE49-F238E27FC236}">
+                <a16:creationId xmlns:a16="http://schemas.microsoft.com/office/drawing/2014/main" id="{B9E793C2-1E71-4A3B-BE6B-BC962005A058}"/>
+              </a:ext>
+            </a:extLst>
+          </p:cNvPr>
+          <p:cNvSpPr>
+            <a:spLocks noGrp="1"/>
+          </p:cNvSpPr>
+          <p:nvPr>
+            <p:ph idx="1"/>
+          </p:nvPr>
+        </p:nvSpPr>
+        <p:spPr/>
+        <p:txBody>
+          <a:bodyPr/>
+          <a:lstStyle/>
+          <a:p>
+            <a:r>
+              <a:rPr lang="ko-KR" altLang="en-US" dirty="0"/>
+              <a:t>액티비티를 </a:t>
+            </a:r>
+            <a:r>
+              <a:rPr lang="en-US" altLang="ko-KR" dirty="0"/>
+              <a:t>2</a:t>
+            </a:r>
+            <a:r>
+              <a:rPr lang="ko-KR" altLang="en-US" dirty="0"/>
+              <a:t>개 이상 가지고 있는 앱을 만든다</a:t>
+            </a:r>
+            <a:r>
+              <a:rPr lang="en-US" altLang="ko-KR" dirty="0"/>
+              <a:t>.</a:t>
+            </a:r>
+          </a:p>
+          <a:p>
+            <a:pPr lvl="1"/>
+            <a:r>
+              <a:rPr lang="en-US" altLang="ko-KR" dirty="0"/>
+              <a:t>A </a:t>
+            </a:r>
+            <a:r>
+              <a:rPr lang="ko-KR" altLang="en-US" dirty="0"/>
+              <a:t>액티비티에서 버튼을 누르면 </a:t>
+            </a:r>
+            <a:r>
+              <a:rPr lang="en-US" altLang="ko-KR" dirty="0"/>
+              <a:t>B </a:t>
+            </a:r>
+            <a:r>
+              <a:rPr lang="ko-KR" altLang="en-US" dirty="0"/>
+              <a:t>액티비티가 시작되도록 만든다</a:t>
+            </a:r>
+            <a:r>
+              <a:rPr lang="en-US" altLang="ko-KR" dirty="0"/>
+              <a:t>.</a:t>
+            </a:r>
+          </a:p>
+          <a:p>
+            <a:r>
+              <a:rPr lang="en-US" altLang="ko-KR" dirty="0"/>
+              <a:t>A</a:t>
+            </a:r>
+            <a:r>
+              <a:rPr lang="ko-KR" altLang="en-US" dirty="0"/>
+              <a:t> 액티비티에 토스트 메시지를 넣는 코드를 </a:t>
             </a:r>
             <a:r>
               <a:rPr lang="ko-KR" altLang="en-US" dirty="0" err="1"/>
-              <a:t>디컴파일러</a:t>
-            </a:r>
-            <a:endParaRPr lang="en-US" dirty="0"/>
-          </a:p>
-        </p:txBody>
-      </p:sp>
-      <p:sp>
-        <p:nvSpPr>
-          <p:cNvPr id="3" name="내용 개체 틀 2">
-            <a:extLst>
-              <a:ext uri="{FF2B5EF4-FFF2-40B4-BE49-F238E27FC236}">
-                <a16:creationId xmlns:a16="http://schemas.microsoft.com/office/drawing/2014/main" id="{C7220AF7-32BD-4338-91B5-D00980D705A7}"/>
-              </a:ext>
-            </a:extLst>
-          </p:cNvPr>
-          <p:cNvSpPr>
-            <a:spLocks noGrp="1"/>
-          </p:cNvSpPr>
-          <p:nvPr>
-            <p:ph idx="1"/>
-          </p:nvPr>
-        </p:nvSpPr>
-        <p:spPr/>
-        <p:txBody>
-          <a:bodyPr/>
-          <a:lstStyle/>
-          <a:p>
-            <a:r>
-              <a:rPr lang="en-US" dirty="0"/>
-              <a:t>JD GUI – Java(.jar) </a:t>
-            </a:r>
-            <a:r>
-              <a:rPr lang="ko-KR" altLang="en-US" dirty="0" err="1"/>
-              <a:t>디컴파일러</a:t>
-            </a:r>
-            <a:endParaRPr lang="en-US" altLang="ko-KR" dirty="0"/>
-          </a:p>
-          <a:p>
-            <a:r>
-              <a:rPr lang="en-US" dirty="0"/>
-              <a:t>APK</a:t>
-            </a:r>
-            <a:r>
-              <a:rPr lang="ko-KR" altLang="en-US" dirty="0"/>
-              <a:t>는 </a:t>
+              <a:t>역공학</a:t>
+            </a:r>
+            <a:r>
+              <a:rPr lang="ko-KR" altLang="en-US" dirty="0"/>
+              <a:t> 방법으로 추가해본다</a:t>
             </a:r>
             <a:r>
               <a:rPr lang="en-US" altLang="ko-KR" dirty="0"/>
-              <a:t>ZIP </a:t>
-            </a:r>
-            <a:r>
-              <a:rPr lang="ko-KR" altLang="en-US" dirty="0"/>
-              <a:t>포맷</a:t>
-            </a:r>
-            <a:endParaRPr lang="en-US" altLang="ko-KR" dirty="0"/>
-          </a:p>
-          <a:p>
-            <a:r>
-              <a:rPr lang="en-US" dirty="0" err="1"/>
-              <a:t>app.apk</a:t>
-            </a:r>
-            <a:r>
-              <a:rPr lang="ko-KR" altLang="en-US" dirty="0"/>
-              <a:t>를 </a:t>
-            </a:r>
+              <a:t>.</a:t>
+            </a:r>
+          </a:p>
+          <a:p>
             <a:r>
               <a:rPr lang="en-US" altLang="ko-KR" dirty="0"/>
-              <a:t>app.zip</a:t>
-            </a:r>
-            <a:r>
-              <a:rPr lang="ko-KR" altLang="en-US" dirty="0"/>
-              <a:t>으로 이름을 바꾸고 압축 해제</a:t>
-            </a:r>
-            <a:endParaRPr lang="en-US" altLang="ko-KR" dirty="0"/>
-          </a:p>
-          <a:p>
-            <a:r>
-              <a:rPr lang="en-US" dirty="0"/>
-              <a:t>app/</a:t>
-            </a:r>
-            <a:r>
-              <a:rPr lang="en-US" dirty="0" err="1"/>
-              <a:t>classes.dex</a:t>
-            </a:r>
-            <a:r>
-              <a:rPr lang="en-US" dirty="0"/>
-              <a:t> </a:t>
-            </a:r>
-            <a:r>
-              <a:rPr lang="ko-KR" altLang="en-US" dirty="0"/>
-              <a:t>파일을 </a:t>
+              <a:t>A </a:t>
+            </a:r>
+            <a:r>
+              <a:rPr lang="ko-KR" altLang="en-US" dirty="0"/>
+              <a:t>액티비티에서 버튼을 눌러도 </a:t>
             </a:r>
             <a:r>
               <a:rPr lang="en-US" altLang="ko-KR" dirty="0"/>
-              <a:t>dex2jar </a:t>
-            </a:r>
-            <a:r>
-              <a:rPr lang="ko-KR" altLang="en-US" dirty="0"/>
-              <a:t>프로그램으로 </a:t>
+              <a:t>B </a:t>
+            </a:r>
+            <a:r>
+              <a:rPr lang="ko-KR" altLang="en-US" dirty="0"/>
+              <a:t>액티비티가 시작되지 않도록 만든다</a:t>
             </a:r>
             <a:r>
               <a:rPr lang="en-US" altLang="ko-KR" dirty="0"/>
-              <a:t>classes.jar</a:t>
-            </a:r>
-            <a:r>
-              <a:rPr lang="ko-KR" altLang="en-US" dirty="0"/>
-              <a:t>로 변경</a:t>
-            </a:r>
-            <a:endParaRPr lang="en-US" altLang="ko-KR" dirty="0"/>
-          </a:p>
-          <a:p>
-            <a:r>
-              <a:rPr lang="en-US" dirty="0"/>
-              <a:t>JD GUI</a:t>
-            </a:r>
-            <a:r>
-              <a:rPr lang="ko-KR" altLang="en-US" dirty="0"/>
-              <a:t>를 이용하여 </a:t>
+              <a:t>.</a:t>
+            </a:r>
+          </a:p>
+          <a:p>
+            <a:r>
+              <a:rPr lang="ko-KR" altLang="en-US" dirty="0"/>
+              <a:t>기타 추가하고 싶은 내용을 추가한다</a:t>
             </a:r>
             <a:r>
               <a:rPr lang="en-US" altLang="ko-KR" dirty="0"/>
-              <a:t>classes.jar</a:t>
-            </a:r>
-            <a:r>
-              <a:rPr lang="ko-KR" altLang="en-US" dirty="0"/>
-              <a:t>를 </a:t>
-            </a:r>
-            <a:r>
-              <a:rPr lang="ko-KR" altLang="en-US" dirty="0" err="1"/>
-              <a:t>디컴파일</a:t>
-            </a:r>
+              <a:t>.</a:t>
+            </a:r>
+          </a:p>
+          <a:p>
             <a:endParaRPr lang="en-US" dirty="0"/>
           </a:p>
         </p:txBody>
@@ -5580,7 +5531,7 @@
     </p:spTree>
     <p:extLst>
       <p:ext uri="{BB962C8B-B14F-4D97-AF65-F5344CB8AC3E}">
-        <p14:creationId xmlns:p14="http://schemas.microsoft.com/office/powerpoint/2010/main" val="1456917278"/>
+        <p14:creationId xmlns:p14="http://schemas.microsoft.com/office/powerpoint/2010/main" val="2263616599"/>
       </p:ext>
     </p:extLst>
   </p:cSld>
@@ -5612,7 +5563,7 @@
           <p:cNvPr id="2" name="제목 1">
             <a:extLst>
               <a:ext uri="{FF2B5EF4-FFF2-40B4-BE49-F238E27FC236}">
-                <a16:creationId xmlns:a16="http://schemas.microsoft.com/office/drawing/2014/main" id="{DC6D293C-E48E-4715-A66A-2622EB347A19}"/>
+                <a16:creationId xmlns:a16="http://schemas.microsoft.com/office/drawing/2014/main" id="{AF93A109-674B-4456-855E-D5683FA9B4C5}"/>
               </a:ext>
             </a:extLst>
           </p:cNvPr>
@@ -5630,8 +5581,13 @@
           <a:p>
             <a:r>
               <a:rPr lang="en-US" dirty="0"/>
-              <a:t>dex2jar</a:t>
-            </a:r>
+              <a:t>JD GUI - Java </a:t>
+            </a:r>
+            <a:r>
+              <a:rPr lang="ko-KR" altLang="en-US" dirty="0" err="1"/>
+              <a:t>디컴파일러</a:t>
+            </a:r>
+            <a:endParaRPr lang="en-US" dirty="0"/>
           </a:p>
         </p:txBody>
       </p:sp>
@@ -5640,7 +5596,7 @@
           <p:cNvPr id="3" name="내용 개체 틀 2">
             <a:extLst>
               <a:ext uri="{FF2B5EF4-FFF2-40B4-BE49-F238E27FC236}">
-                <a16:creationId xmlns:a16="http://schemas.microsoft.com/office/drawing/2014/main" id="{DA846EA4-4569-4D75-9A57-C71C117300A4}"/>
+                <a16:creationId xmlns:a16="http://schemas.microsoft.com/office/drawing/2014/main" id="{C7220AF7-32BD-4338-91B5-D00980D705A7}"/>
               </a:ext>
             </a:extLst>
           </p:cNvPr>
@@ -5657,109 +5613,117 @@
           <a:lstStyle/>
           <a:p>
             <a:r>
-              <a:rPr lang="en-US" dirty="0">
-                <a:hlinkClick r:id="rId2"/>
-              </a:rPr>
-              <a:t>https://github.com/pxb1988/dex2jar</a:t>
-            </a:r>
-            <a:endParaRPr lang="en-US" dirty="0"/>
-          </a:p>
-          <a:p>
-            <a:r>
-              <a:rPr lang="en-US" dirty="0"/>
-              <a:t>$ d2j-dex2jar.sh    app/</a:t>
+              <a:rPr lang="en-US" dirty="0"/>
+              <a:t>JD GUI – Java(.jar) </a:t>
+            </a:r>
+            <a:r>
+              <a:rPr lang="ko-KR" altLang="en-US" dirty="0" err="1"/>
+              <a:t>디컴파일러</a:t>
+            </a:r>
+            <a:endParaRPr lang="en-US" altLang="ko-KR" dirty="0"/>
+          </a:p>
+          <a:p>
+            <a:r>
+              <a:rPr lang="en-US" dirty="0"/>
+              <a:t>APK</a:t>
+            </a:r>
+            <a:r>
+              <a:rPr lang="ko-KR" altLang="en-US" dirty="0"/>
+              <a:t>는 </a:t>
+            </a:r>
+            <a:r>
+              <a:rPr lang="en-US" altLang="ko-KR" dirty="0"/>
+              <a:t>ZIP </a:t>
+            </a:r>
+            <a:r>
+              <a:rPr lang="ko-KR" altLang="en-US" dirty="0"/>
+              <a:t>포맷</a:t>
+            </a:r>
+            <a:endParaRPr lang="en-US" altLang="ko-KR" dirty="0"/>
+          </a:p>
+          <a:p>
+            <a:r>
+              <a:rPr lang="en-US" dirty="0" err="1"/>
+              <a:t>app.apk</a:t>
+            </a:r>
+            <a:r>
+              <a:rPr lang="ko-KR" altLang="en-US" dirty="0"/>
+              <a:t>를 </a:t>
+            </a:r>
+            <a:r>
+              <a:rPr lang="en-US" altLang="ko-KR" dirty="0"/>
+              <a:t>app.zip</a:t>
+            </a:r>
+            <a:r>
+              <a:rPr lang="ko-KR" altLang="en-US" dirty="0"/>
+              <a:t>으로 이름을 바꾸고 압축 해제</a:t>
+            </a:r>
+            <a:endParaRPr lang="en-US" altLang="ko-KR" dirty="0"/>
+          </a:p>
+          <a:p>
+            <a:r>
+              <a:rPr lang="en-US" dirty="0"/>
+              <a:t>app/</a:t>
             </a:r>
             <a:r>
               <a:rPr lang="en-US" dirty="0" err="1"/>
               <a:t>classes.dex</a:t>
             </a:r>
+            <a:r>
+              <a:rPr lang="en-US" dirty="0"/>
+              <a:t> </a:t>
+            </a:r>
+            <a:r>
+              <a:rPr lang="ko-KR" altLang="en-US" dirty="0"/>
+              <a:t>파일을 </a:t>
+            </a:r>
+            <a:r>
+              <a:rPr lang="en-US" altLang="ko-KR" dirty="0"/>
+              <a:t>dex2jar </a:t>
+            </a:r>
+            <a:r>
+              <a:rPr lang="ko-KR" altLang="en-US" dirty="0"/>
+              <a:t>프로그램으로 </a:t>
+            </a:r>
+            <a:r>
+              <a:rPr lang="en-US" altLang="ko-KR" dirty="0"/>
+              <a:t>classes.jar</a:t>
+            </a:r>
+            <a:r>
+              <a:rPr lang="ko-KR" altLang="en-US" dirty="0"/>
+              <a:t>로 변경</a:t>
+            </a:r>
+            <a:endParaRPr lang="en-US" altLang="ko-KR" dirty="0"/>
+          </a:p>
+          <a:p>
+            <a:r>
+              <a:rPr lang="en-US" dirty="0"/>
+              <a:t>JD GUI</a:t>
+            </a:r>
+            <a:r>
+              <a:rPr lang="ko-KR" altLang="en-US" dirty="0"/>
+              <a:t>를 이용하여 </a:t>
+            </a:r>
+            <a:r>
+              <a:rPr lang="en-US" altLang="ko-KR" dirty="0"/>
+              <a:t>classes.jar</a:t>
+            </a:r>
+            <a:r>
+              <a:rPr lang="ko-KR" altLang="en-US" dirty="0"/>
+              <a:t>를 </a:t>
+            </a:r>
+            <a:r>
+              <a:rPr lang="ko-KR" altLang="en-US" dirty="0" err="1"/>
+              <a:t>디컴파일</a:t>
+            </a:r>
             <a:endParaRPr lang="en-US" dirty="0"/>
-          </a:p>
-        </p:txBody>
-      </p:sp>
-      <p:sp>
-        <p:nvSpPr>
-          <p:cNvPr id="4" name="직사각형 3">
-            <a:extLst>
-              <a:ext uri="{FF2B5EF4-FFF2-40B4-BE49-F238E27FC236}">
-                <a16:creationId xmlns:a16="http://schemas.microsoft.com/office/drawing/2014/main" id="{A8F60B2B-13F3-48F2-AC39-69D147DF6A14}"/>
-              </a:ext>
-            </a:extLst>
-          </p:cNvPr>
-          <p:cNvSpPr/>
-          <p:nvPr/>
-        </p:nvSpPr>
-        <p:spPr>
-          <a:xfrm>
-            <a:off x="929780" y="2967335"/>
-            <a:ext cx="10332440" cy="923330"/>
-          </a:xfrm>
-          <a:prstGeom prst="rect">
-            <a:avLst/>
-          </a:prstGeom>
-        </p:spPr>
-        <p:style>
-          <a:lnRef idx="2">
-            <a:schemeClr val="dk1"/>
-          </a:lnRef>
-          <a:fillRef idx="1">
-            <a:schemeClr val="lt1"/>
-          </a:fillRef>
-          <a:effectRef idx="0">
-            <a:schemeClr val="dk1"/>
-          </a:effectRef>
-          <a:fontRef idx="minor">
-            <a:schemeClr val="dk1"/>
-          </a:fontRef>
-        </p:style>
-        <p:txBody>
-          <a:bodyPr wrap="square">
-            <a:spAutoFit/>
-          </a:bodyPr>
-          <a:lstStyle/>
-          <a:p>
-            <a:r>
-              <a:rPr lang="en-US" dirty="0" err="1"/>
-              <a:t>jyheo@iSysLab-PEN</a:t>
-            </a:r>
-            <a:r>
-              <a:rPr lang="en-US" dirty="0"/>
-              <a:t>:~/doc/</a:t>
-            </a:r>
-            <a:r>
-              <a:rPr lang="en-US" dirty="0" err="1"/>
-              <a:t>androidsec</a:t>
-            </a:r>
-            <a:r>
-              <a:rPr lang="en-US" dirty="0"/>
-              <a:t>$ ./dex-tools-2.1-SNAPSHOT/dex-tools-2.1-SNAPSHOT/d2j-dex2jar.sh app-debug-zip/</a:t>
-            </a:r>
-            <a:r>
-              <a:rPr lang="en-US" dirty="0" err="1"/>
-              <a:t>classes.dex</a:t>
-            </a:r>
-            <a:endParaRPr lang="en-US" dirty="0"/>
-          </a:p>
-          <a:p>
-            <a:r>
-              <a:rPr lang="en-US" dirty="0"/>
-              <a:t>dex2jar app-debug-zip/</a:t>
-            </a:r>
-            <a:r>
-              <a:rPr lang="en-US" dirty="0" err="1"/>
-              <a:t>classes.dex</a:t>
-            </a:r>
-            <a:r>
-              <a:rPr lang="en-US" dirty="0"/>
-              <a:t> -&gt; ./classes-dex2jar.jar</a:t>
-            </a:r>
           </a:p>
         </p:txBody>
       </p:sp>
     </p:spTree>
     <p:extLst>
       <p:ext uri="{BB962C8B-B14F-4D97-AF65-F5344CB8AC3E}">
-        <p14:creationId xmlns:p14="http://schemas.microsoft.com/office/powerpoint/2010/main" val="2110393497"/>
+        <p14:creationId xmlns:p14="http://schemas.microsoft.com/office/powerpoint/2010/main" val="1456917278"/>
       </p:ext>
     </p:extLst>
   </p:cSld>
@@ -5791,6 +5755,185 @@
           <p:cNvPr id="2" name="제목 1">
             <a:extLst>
               <a:ext uri="{FF2B5EF4-FFF2-40B4-BE49-F238E27FC236}">
+                <a16:creationId xmlns:a16="http://schemas.microsoft.com/office/drawing/2014/main" id="{DC6D293C-E48E-4715-A66A-2622EB347A19}"/>
+              </a:ext>
+            </a:extLst>
+          </p:cNvPr>
+          <p:cNvSpPr>
+            <a:spLocks noGrp="1"/>
+          </p:cNvSpPr>
+          <p:nvPr>
+            <p:ph type="title"/>
+          </p:nvPr>
+        </p:nvSpPr>
+        <p:spPr/>
+        <p:txBody>
+          <a:bodyPr/>
+          <a:lstStyle/>
+          <a:p>
+            <a:r>
+              <a:rPr lang="en-US" dirty="0"/>
+              <a:t>dex2jar</a:t>
+            </a:r>
+          </a:p>
+        </p:txBody>
+      </p:sp>
+      <p:sp>
+        <p:nvSpPr>
+          <p:cNvPr id="3" name="내용 개체 틀 2">
+            <a:extLst>
+              <a:ext uri="{FF2B5EF4-FFF2-40B4-BE49-F238E27FC236}">
+                <a16:creationId xmlns:a16="http://schemas.microsoft.com/office/drawing/2014/main" id="{DA846EA4-4569-4D75-9A57-C71C117300A4}"/>
+              </a:ext>
+            </a:extLst>
+          </p:cNvPr>
+          <p:cNvSpPr>
+            <a:spLocks noGrp="1"/>
+          </p:cNvSpPr>
+          <p:nvPr>
+            <p:ph idx="1"/>
+          </p:nvPr>
+        </p:nvSpPr>
+        <p:spPr/>
+        <p:txBody>
+          <a:bodyPr/>
+          <a:lstStyle/>
+          <a:p>
+            <a:r>
+              <a:rPr lang="en-US" dirty="0">
+                <a:hlinkClick r:id="rId2"/>
+              </a:rPr>
+              <a:t>https://github.com/pxb1988/dex2jar</a:t>
+            </a:r>
+            <a:endParaRPr lang="en-US" dirty="0"/>
+          </a:p>
+          <a:p>
+            <a:r>
+              <a:rPr lang="en-US" dirty="0"/>
+              <a:t>$ d2j-dex2jar.sh    app/</a:t>
+            </a:r>
+            <a:r>
+              <a:rPr lang="en-US" dirty="0" err="1"/>
+              <a:t>classes.dex</a:t>
+            </a:r>
+            <a:endParaRPr lang="en-US" dirty="0"/>
+          </a:p>
+        </p:txBody>
+      </p:sp>
+      <p:sp>
+        <p:nvSpPr>
+          <p:cNvPr id="4" name="직사각형 3">
+            <a:extLst>
+              <a:ext uri="{FF2B5EF4-FFF2-40B4-BE49-F238E27FC236}">
+                <a16:creationId xmlns:a16="http://schemas.microsoft.com/office/drawing/2014/main" id="{A8F60B2B-13F3-48F2-AC39-69D147DF6A14}"/>
+              </a:ext>
+            </a:extLst>
+          </p:cNvPr>
+          <p:cNvSpPr/>
+          <p:nvPr/>
+        </p:nvSpPr>
+        <p:spPr>
+          <a:xfrm>
+            <a:off x="929780" y="2967335"/>
+            <a:ext cx="10332440" cy="923330"/>
+          </a:xfrm>
+          <a:prstGeom prst="rect">
+            <a:avLst/>
+          </a:prstGeom>
+        </p:spPr>
+        <p:style>
+          <a:lnRef idx="2">
+            <a:schemeClr val="dk1"/>
+          </a:lnRef>
+          <a:fillRef idx="1">
+            <a:schemeClr val="lt1"/>
+          </a:fillRef>
+          <a:effectRef idx="0">
+            <a:schemeClr val="dk1"/>
+          </a:effectRef>
+          <a:fontRef idx="minor">
+            <a:schemeClr val="dk1"/>
+          </a:fontRef>
+        </p:style>
+        <p:txBody>
+          <a:bodyPr wrap="square">
+            <a:spAutoFit/>
+          </a:bodyPr>
+          <a:lstStyle/>
+          <a:p>
+            <a:r>
+              <a:rPr lang="en-US" dirty="0" err="1"/>
+              <a:t>jyheo@iSysLab-PEN</a:t>
+            </a:r>
+            <a:r>
+              <a:rPr lang="en-US" dirty="0"/>
+              <a:t>:~/doc/</a:t>
+            </a:r>
+            <a:r>
+              <a:rPr lang="en-US" dirty="0" err="1"/>
+              <a:t>androidsec</a:t>
+            </a:r>
+            <a:r>
+              <a:rPr lang="en-US" dirty="0"/>
+              <a:t>$ ./dex-tools-2.1-SNAPSHOT/dex-tools-2.1-SNAPSHOT/d2j-dex2jar.sh app-debug-zip/</a:t>
+            </a:r>
+            <a:r>
+              <a:rPr lang="en-US" dirty="0" err="1"/>
+              <a:t>classes.dex</a:t>
+            </a:r>
+            <a:endParaRPr lang="en-US" dirty="0"/>
+          </a:p>
+          <a:p>
+            <a:r>
+              <a:rPr lang="en-US" dirty="0"/>
+              <a:t>dex2jar app-debug-zip/</a:t>
+            </a:r>
+            <a:r>
+              <a:rPr lang="en-US" dirty="0" err="1"/>
+              <a:t>classes.dex</a:t>
+            </a:r>
+            <a:r>
+              <a:rPr lang="en-US" dirty="0"/>
+              <a:t> -&gt; ./classes-dex2jar.jar</a:t>
+            </a:r>
+          </a:p>
+        </p:txBody>
+      </p:sp>
+    </p:spTree>
+    <p:extLst>
+      <p:ext uri="{BB962C8B-B14F-4D97-AF65-F5344CB8AC3E}">
+        <p14:creationId xmlns:p14="http://schemas.microsoft.com/office/powerpoint/2010/main" val="2110393497"/>
+      </p:ext>
+    </p:extLst>
+  </p:cSld>
+  <p:clrMapOvr>
+    <a:masterClrMapping/>
+  </p:clrMapOvr>
+</p:sld>
+</file>
+
+<file path=ppt/slides/slide19.xml><?xml version="1.0" encoding="utf-8"?>
+<p:sld xmlns:a="http://schemas.openxmlformats.org/drawingml/2006/main" xmlns:r="http://schemas.openxmlformats.org/officeDocument/2006/relationships" xmlns:p="http://schemas.openxmlformats.org/presentationml/2006/main">
+  <p:cSld>
+    <p:spTree>
+      <p:nvGrpSpPr>
+        <p:cNvPr id="1" name=""/>
+        <p:cNvGrpSpPr/>
+        <p:nvPr/>
+      </p:nvGrpSpPr>
+      <p:grpSpPr>
+        <a:xfrm>
+          <a:off x="0" y="0"/>
+          <a:ext cx="0" cy="0"/>
+          <a:chOff x="0" y="0"/>
+          <a:chExt cx="0" cy="0"/>
+        </a:xfrm>
+      </p:grpSpPr>
+      <p:sp>
+        <p:nvSpPr>
+          <p:cNvPr id="2" name="제목 1">
+            <a:extLst>
+              <a:ext uri="{FF2B5EF4-FFF2-40B4-BE49-F238E27FC236}">
                 <a16:creationId xmlns:a16="http://schemas.microsoft.com/office/drawing/2014/main" id="{1FA374E4-2333-45A2-AB9F-5CC8B3C94CA6}"/>
               </a:ext>
             </a:extLst>
@@ -5835,7 +5978,13 @@
           <a:bodyPr/>
           <a:lstStyle/>
           <a:p>
-            <a:endParaRPr lang="en-US"/>
+            <a:r>
+              <a:rPr lang="en-US" dirty="0">
+                <a:hlinkClick r:id="rId2"/>
+              </a:rPr>
+              <a:t>http://jd.benow.ca/</a:t>
+            </a:r>
+            <a:endParaRPr lang="en-US" dirty="0"/>
           </a:p>
         </p:txBody>
       </p:sp>
@@ -5854,15 +6003,15 @@
           <p:nvPr/>
         </p:nvPicPr>
         <p:blipFill>
-          <a:blip r:embed="rId2"/>
+          <a:blip r:embed="rId3"/>
           <a:stretch>
             <a:fillRect/>
           </a:stretch>
         </p:blipFill>
         <p:spPr>
           <a:xfrm>
-            <a:off x="2209800" y="1535622"/>
-            <a:ext cx="7772400" cy="5095875"/>
+            <a:off x="4307731" y="1690688"/>
+            <a:ext cx="7184488" cy="4710418"/>
           </a:xfrm>
           <a:prstGeom prst="rect">
             <a:avLst/>
@@ -5882,7 +6031,131 @@
 </p:sld>
 </file>
 
-<file path=ppt/slides/slide19.xml><?xml version="1.0" encoding="utf-8"?>
+<file path=ppt/slides/slide2.xml><?xml version="1.0" encoding="utf-8"?>
+<p:sld xmlns:a="http://schemas.openxmlformats.org/drawingml/2006/main" xmlns:r="http://schemas.openxmlformats.org/officeDocument/2006/relationships" xmlns:p="http://schemas.openxmlformats.org/presentationml/2006/main">
+  <p:cSld>
+    <p:spTree>
+      <p:nvGrpSpPr>
+        <p:cNvPr id="1" name=""/>
+        <p:cNvGrpSpPr/>
+        <p:nvPr/>
+      </p:nvGrpSpPr>
+      <p:grpSpPr>
+        <a:xfrm>
+          <a:off x="0" y="0"/>
+          <a:ext cx="0" cy="0"/>
+          <a:chOff x="0" y="0"/>
+          <a:chExt cx="0" cy="0"/>
+        </a:xfrm>
+      </p:grpSpPr>
+      <p:sp>
+        <p:nvSpPr>
+          <p:cNvPr id="2" name="제목 1">
+            <a:extLst>
+              <a:ext uri="{FF2B5EF4-FFF2-40B4-BE49-F238E27FC236}">
+                <a16:creationId xmlns:a16="http://schemas.microsoft.com/office/drawing/2014/main" id="{5EE062CF-A2D9-4278-BF7E-15D84DF53D9E}"/>
+              </a:ext>
+            </a:extLst>
+          </p:cNvPr>
+          <p:cNvSpPr>
+            <a:spLocks noGrp="1"/>
+          </p:cNvSpPr>
+          <p:nvPr>
+            <p:ph type="title"/>
+          </p:nvPr>
+        </p:nvSpPr>
+        <p:spPr/>
+        <p:txBody>
+          <a:bodyPr/>
+          <a:lstStyle/>
+          <a:p>
+            <a:r>
+              <a:rPr lang="en-US" dirty="0"/>
+              <a:t>APK </a:t>
+            </a:r>
+            <a:r>
+              <a:rPr lang="ko-KR" altLang="en-US" dirty="0"/>
+              <a:t>구조</a:t>
+            </a:r>
+            <a:endParaRPr lang="en-US" dirty="0"/>
+          </a:p>
+        </p:txBody>
+      </p:sp>
+      <p:sp>
+        <p:nvSpPr>
+          <p:cNvPr id="3" name="내용 개체 틀 2">
+            <a:extLst>
+              <a:ext uri="{FF2B5EF4-FFF2-40B4-BE49-F238E27FC236}">
+                <a16:creationId xmlns:a16="http://schemas.microsoft.com/office/drawing/2014/main" id="{A82B98F9-83AC-465F-A5CE-47976D92C1E0}"/>
+              </a:ext>
+            </a:extLst>
+          </p:cNvPr>
+          <p:cNvSpPr>
+            <a:spLocks noGrp="1"/>
+          </p:cNvSpPr>
+          <p:nvPr>
+            <p:ph idx="1"/>
+          </p:nvPr>
+        </p:nvSpPr>
+        <p:spPr/>
+        <p:txBody>
+          <a:bodyPr/>
+          <a:lstStyle/>
+          <a:p>
+            <a:r>
+              <a:rPr lang="en-US" dirty="0"/>
+              <a:t>AndroidManifest.xml</a:t>
+            </a:r>
+          </a:p>
+          <a:p>
+            <a:r>
+              <a:rPr lang="en-US" dirty="0" err="1"/>
+              <a:t>classes.dex</a:t>
+            </a:r>
+            <a:endParaRPr lang="en-US" dirty="0"/>
+          </a:p>
+          <a:p>
+            <a:r>
+              <a:rPr lang="en-US" dirty="0"/>
+              <a:t>res/</a:t>
+            </a:r>
+          </a:p>
+          <a:p>
+            <a:r>
+              <a:rPr lang="en-US" dirty="0"/>
+              <a:t>lib/ (</a:t>
+            </a:r>
+            <a:r>
+              <a:rPr lang="ko-KR" altLang="en-US" dirty="0"/>
+              <a:t>없는 경우도 있음</a:t>
+            </a:r>
+            <a:r>
+              <a:rPr lang="en-US" altLang="ko-KR" dirty="0"/>
+              <a:t>)</a:t>
+            </a:r>
+          </a:p>
+          <a:p>
+            <a:r>
+              <a:rPr lang="en-US" dirty="0"/>
+              <a:t>META-INF</a:t>
+            </a:r>
+          </a:p>
+        </p:txBody>
+      </p:sp>
+    </p:spTree>
+    <p:extLst>
+      <p:ext uri="{BB962C8B-B14F-4D97-AF65-F5344CB8AC3E}">
+        <p14:creationId xmlns:p14="http://schemas.microsoft.com/office/powerpoint/2010/main" val="405468879"/>
+      </p:ext>
+    </p:extLst>
+  </p:cSld>
+  <p:clrMapOvr>
+    <a:masterClrMapping/>
+  </p:clrMapOvr>
+</p:sld>
+</file>
+
+<file path=ppt/slides/slide20.xml><?xml version="1.0" encoding="utf-8"?>
 <p:sld xmlns:a="http://schemas.openxmlformats.org/drawingml/2006/main" xmlns:r="http://schemas.openxmlformats.org/officeDocument/2006/relationships" xmlns:p="http://schemas.openxmlformats.org/presentationml/2006/main">
   <p:cSld>
     <p:spTree>
@@ -5998,313 +6271,6 @@
 </p:sld>
 </file>
 
-<file path=ppt/slides/slide2.xml><?xml version="1.0" encoding="utf-8"?>
-<p:sld xmlns:a="http://schemas.openxmlformats.org/drawingml/2006/main" xmlns:r="http://schemas.openxmlformats.org/officeDocument/2006/relationships" xmlns:p="http://schemas.openxmlformats.org/presentationml/2006/main">
-  <p:cSld>
-    <p:spTree>
-      <p:nvGrpSpPr>
-        <p:cNvPr id="1" name=""/>
-        <p:cNvGrpSpPr/>
-        <p:nvPr/>
-      </p:nvGrpSpPr>
-      <p:grpSpPr>
-        <a:xfrm>
-          <a:off x="0" y="0"/>
-          <a:ext cx="0" cy="0"/>
-          <a:chOff x="0" y="0"/>
-          <a:chExt cx="0" cy="0"/>
-        </a:xfrm>
-      </p:grpSpPr>
-      <p:sp>
-        <p:nvSpPr>
-          <p:cNvPr id="2" name="제목 1">
-            <a:extLst>
-              <a:ext uri="{FF2B5EF4-FFF2-40B4-BE49-F238E27FC236}">
-                <a16:creationId xmlns:a16="http://schemas.microsoft.com/office/drawing/2014/main" id="{5EE062CF-A2D9-4278-BF7E-15D84DF53D9E}"/>
-              </a:ext>
-            </a:extLst>
-          </p:cNvPr>
-          <p:cNvSpPr>
-            <a:spLocks noGrp="1"/>
-          </p:cNvSpPr>
-          <p:nvPr>
-            <p:ph type="title"/>
-          </p:nvPr>
-        </p:nvSpPr>
-        <p:spPr/>
-        <p:txBody>
-          <a:bodyPr/>
-          <a:lstStyle/>
-          <a:p>
-            <a:r>
-              <a:rPr lang="en-US" dirty="0"/>
-              <a:t>APK </a:t>
-            </a:r>
-            <a:r>
-              <a:rPr lang="ko-KR" altLang="en-US" dirty="0"/>
-              <a:t>구조</a:t>
-            </a:r>
-            <a:endParaRPr lang="en-US" dirty="0"/>
-          </a:p>
-        </p:txBody>
-      </p:sp>
-      <p:sp>
-        <p:nvSpPr>
-          <p:cNvPr id="3" name="내용 개체 틀 2">
-            <a:extLst>
-              <a:ext uri="{FF2B5EF4-FFF2-40B4-BE49-F238E27FC236}">
-                <a16:creationId xmlns:a16="http://schemas.microsoft.com/office/drawing/2014/main" id="{A82B98F9-83AC-465F-A5CE-47976D92C1E0}"/>
-              </a:ext>
-            </a:extLst>
-          </p:cNvPr>
-          <p:cNvSpPr>
-            <a:spLocks noGrp="1"/>
-          </p:cNvSpPr>
-          <p:nvPr>
-            <p:ph idx="1"/>
-          </p:nvPr>
-        </p:nvSpPr>
-        <p:spPr/>
-        <p:txBody>
-          <a:bodyPr/>
-          <a:lstStyle/>
-          <a:p>
-            <a:r>
-              <a:rPr lang="en-US" dirty="0"/>
-              <a:t>AndroidManifest.xml</a:t>
-            </a:r>
-          </a:p>
-          <a:p>
-            <a:r>
-              <a:rPr lang="en-US" dirty="0" err="1"/>
-              <a:t>classes.dex</a:t>
-            </a:r>
-            <a:endParaRPr lang="en-US" dirty="0"/>
-          </a:p>
-          <a:p>
-            <a:r>
-              <a:rPr lang="en-US" dirty="0"/>
-              <a:t>res/</a:t>
-            </a:r>
-          </a:p>
-          <a:p>
-            <a:r>
-              <a:rPr lang="en-US" dirty="0"/>
-              <a:t>lib/ (</a:t>
-            </a:r>
-            <a:r>
-              <a:rPr lang="ko-KR" altLang="en-US" dirty="0"/>
-              <a:t>없는 경우도 있음</a:t>
-            </a:r>
-            <a:r>
-              <a:rPr lang="en-US" altLang="ko-KR" dirty="0"/>
-              <a:t>)</a:t>
-            </a:r>
-          </a:p>
-          <a:p>
-            <a:r>
-              <a:rPr lang="en-US" dirty="0"/>
-              <a:t>META-INF</a:t>
-            </a:r>
-          </a:p>
-        </p:txBody>
-      </p:sp>
-    </p:spTree>
-    <p:extLst>
-      <p:ext uri="{BB962C8B-B14F-4D97-AF65-F5344CB8AC3E}">
-        <p14:creationId xmlns:p14="http://schemas.microsoft.com/office/powerpoint/2010/main" val="405468879"/>
-      </p:ext>
-    </p:extLst>
-  </p:cSld>
-  <p:clrMapOvr>
-    <a:masterClrMapping/>
-  </p:clrMapOvr>
-</p:sld>
-</file>
-
-<file path=ppt/slides/slide20.xml><?xml version="1.0" encoding="utf-8"?>
-<p:sld xmlns:a="http://schemas.openxmlformats.org/drawingml/2006/main" xmlns:r="http://schemas.openxmlformats.org/officeDocument/2006/relationships" xmlns:p="http://schemas.openxmlformats.org/presentationml/2006/main">
-  <p:cSld>
-    <p:spTree>
-      <p:nvGrpSpPr>
-        <p:cNvPr id="1" name=""/>
-        <p:cNvGrpSpPr/>
-        <p:nvPr/>
-      </p:nvGrpSpPr>
-      <p:grpSpPr>
-        <a:xfrm>
-          <a:off x="0" y="0"/>
-          <a:ext cx="0" cy="0"/>
-          <a:chOff x="0" y="0"/>
-          <a:chExt cx="0" cy="0"/>
-        </a:xfrm>
-      </p:grpSpPr>
-      <p:sp>
-        <p:nvSpPr>
-          <p:cNvPr id="2" name="제목 1">
-            <a:extLst>
-              <a:ext uri="{FF2B5EF4-FFF2-40B4-BE49-F238E27FC236}">
-                <a16:creationId xmlns:a16="http://schemas.microsoft.com/office/drawing/2014/main" id="{B0C37951-77F4-4872-87A2-CD87CDA238CF}"/>
-              </a:ext>
-            </a:extLst>
-          </p:cNvPr>
-          <p:cNvSpPr>
-            <a:spLocks noGrp="1"/>
-          </p:cNvSpPr>
-          <p:nvPr>
-            <p:ph type="title"/>
-          </p:nvPr>
-        </p:nvSpPr>
-        <p:spPr/>
-        <p:txBody>
-          <a:bodyPr/>
-          <a:lstStyle/>
-          <a:p>
-            <a:r>
-              <a:rPr lang="ko-KR" altLang="en-US" dirty="0"/>
-              <a:t>실습 </a:t>
-            </a:r>
-            <a:r>
-              <a:rPr lang="en-US" altLang="ko-KR" dirty="0"/>
-              <a:t>1</a:t>
-            </a:r>
-            <a:endParaRPr lang="en-US" dirty="0"/>
-          </a:p>
-        </p:txBody>
-      </p:sp>
-      <p:sp>
-        <p:nvSpPr>
-          <p:cNvPr id="3" name="내용 개체 틀 2">
-            <a:extLst>
-              <a:ext uri="{FF2B5EF4-FFF2-40B4-BE49-F238E27FC236}">
-                <a16:creationId xmlns:a16="http://schemas.microsoft.com/office/drawing/2014/main" id="{B9E793C2-1E71-4A3B-BE6B-BC962005A058}"/>
-              </a:ext>
-            </a:extLst>
-          </p:cNvPr>
-          <p:cNvSpPr>
-            <a:spLocks noGrp="1"/>
-          </p:cNvSpPr>
-          <p:nvPr>
-            <p:ph idx="1"/>
-          </p:nvPr>
-        </p:nvSpPr>
-        <p:spPr/>
-        <p:txBody>
-          <a:bodyPr/>
-          <a:lstStyle/>
-          <a:p>
-            <a:r>
-              <a:rPr lang="ko-KR" altLang="en-US" dirty="0"/>
-              <a:t>액티비티를 </a:t>
-            </a:r>
-            <a:r>
-              <a:rPr lang="en-US" altLang="ko-KR" dirty="0"/>
-              <a:t>2</a:t>
-            </a:r>
-            <a:r>
-              <a:rPr lang="ko-KR" altLang="en-US" dirty="0"/>
-              <a:t>개 이상 가지고 있는 앱을 만든다</a:t>
-            </a:r>
-            <a:r>
-              <a:rPr lang="en-US" altLang="ko-KR" dirty="0"/>
-              <a:t>.</a:t>
-            </a:r>
-          </a:p>
-          <a:p>
-            <a:pPr lvl="1"/>
-            <a:r>
-              <a:rPr lang="en-US" altLang="ko-KR" dirty="0"/>
-              <a:t>A </a:t>
-            </a:r>
-            <a:r>
-              <a:rPr lang="ko-KR" altLang="en-US" dirty="0"/>
-              <a:t>액티비티에서 버튼을 누르면 </a:t>
-            </a:r>
-            <a:r>
-              <a:rPr lang="en-US" altLang="ko-KR" dirty="0"/>
-              <a:t>B </a:t>
-            </a:r>
-            <a:r>
-              <a:rPr lang="ko-KR" altLang="en-US" dirty="0"/>
-              <a:t>액티비티가 시작되도록 만든다</a:t>
-            </a:r>
-            <a:r>
-              <a:rPr lang="en-US" altLang="ko-KR" dirty="0"/>
-              <a:t>.</a:t>
-            </a:r>
-          </a:p>
-          <a:p>
-            <a:r>
-              <a:rPr lang="en-US" altLang="ko-KR" dirty="0"/>
-              <a:t>A</a:t>
-            </a:r>
-            <a:r>
-              <a:rPr lang="ko-KR" altLang="en-US" dirty="0"/>
-              <a:t> 액티비티에 토스트 메시지를 넣는 코드를 </a:t>
-            </a:r>
-            <a:r>
-              <a:rPr lang="ko-KR" altLang="en-US" dirty="0" err="1"/>
-              <a:t>역공학</a:t>
-            </a:r>
-            <a:r>
-              <a:rPr lang="ko-KR" altLang="en-US" dirty="0"/>
-              <a:t> 방법으로 추가해본다</a:t>
-            </a:r>
-            <a:r>
-              <a:rPr lang="en-US" altLang="ko-KR" dirty="0"/>
-              <a:t>.</a:t>
-            </a:r>
-          </a:p>
-          <a:p>
-            <a:r>
-              <a:rPr lang="en-US" altLang="ko-KR" dirty="0"/>
-              <a:t>A </a:t>
-            </a:r>
-            <a:r>
-              <a:rPr lang="ko-KR" altLang="en-US" dirty="0"/>
-              <a:t>액티비티에서 버튼을 눌러도 </a:t>
-            </a:r>
-            <a:r>
-              <a:rPr lang="en-US" altLang="ko-KR" dirty="0"/>
-              <a:t>B </a:t>
-            </a:r>
-            <a:r>
-              <a:rPr lang="ko-KR" altLang="en-US" dirty="0"/>
-              <a:t>액티비티가 시작되지 않도록 만든다</a:t>
-            </a:r>
-            <a:r>
-              <a:rPr lang="en-US" altLang="ko-KR" dirty="0"/>
-              <a:t>.</a:t>
-            </a:r>
-          </a:p>
-          <a:p>
-            <a:r>
-              <a:rPr lang="ko-KR" altLang="en-US" dirty="0"/>
-              <a:t>기타 추가하고 싶은 내용을 추가한다</a:t>
-            </a:r>
-            <a:r>
-              <a:rPr lang="en-US" altLang="ko-KR" dirty="0"/>
-              <a:t>.</a:t>
-            </a:r>
-          </a:p>
-          <a:p>
-            <a:endParaRPr lang="en-US" dirty="0"/>
-          </a:p>
-        </p:txBody>
-      </p:sp>
-    </p:spTree>
-    <p:extLst>
-      <p:ext uri="{BB962C8B-B14F-4D97-AF65-F5344CB8AC3E}">
-        <p14:creationId xmlns:p14="http://schemas.microsoft.com/office/powerpoint/2010/main" val="2474951904"/>
-      </p:ext>
-    </p:extLst>
-  </p:cSld>
-  <p:clrMapOvr>
-    <a:masterClrMapping/>
-  </p:clrMapOvr>
-</p:sld>
-</file>
-
 <file path=ppt/slides/slide21.xml><?xml version="1.0" encoding="utf-8"?>
 <p:sld xmlns:a="http://schemas.openxmlformats.org/drawingml/2006/main" xmlns:r="http://schemas.openxmlformats.org/officeDocument/2006/relationships" xmlns:p="http://schemas.openxmlformats.org/presentationml/2006/main">
   <p:cSld>
@@ -6344,12 +6310,8 @@
           <a:lstStyle/>
           <a:p>
             <a:r>
-              <a:rPr lang="ko-KR" altLang="en-US" dirty="0"/>
-              <a:t>실습 </a:t>
-            </a:r>
-            <a:r>
-              <a:rPr lang="en-US" altLang="ko-KR" dirty="0"/>
-              <a:t>2</a:t>
+              <a:rPr lang="ko-KR" altLang="en-US"/>
+              <a:t>실습</a:t>
             </a:r>
             <a:endParaRPr lang="en-US" dirty="0"/>
           </a:p>
@@ -6539,6 +6501,13 @@
           </a:p>
           <a:p>
             <a:r>
+              <a:rPr lang="en-US" dirty="0" err="1"/>
+              <a:t>jarsigner</a:t>
+            </a:r>
+            <a:endParaRPr lang="en-US" dirty="0"/>
+          </a:p>
+          <a:p>
+            <a:r>
               <a:rPr lang="en-US" dirty="0"/>
               <a:t>JD-GUI - </a:t>
             </a:r>
@@ -6558,9 +6527,11 @@
           </a:p>
           <a:p>
             <a:r>
-              <a:rPr lang="en-US" dirty="0" err="1"/>
-              <a:t>jarsigner</a:t>
-            </a:r>
+              <a:rPr lang="en-US" dirty="0"/>
+              <a:t>JADX - https://github.com/skylot/jadx</a:t>
+            </a:r>
+          </a:p>
+          <a:p>
             <a:endParaRPr lang="en-US" dirty="0"/>
           </a:p>
           <a:p>
@@ -6933,18 +6904,6 @@
           <a:lstStyle/>
           <a:p>
             <a:r>
-              <a:rPr lang="en-US" dirty="0" err="1"/>
-              <a:t>jyheo@iSysLab-PEN</a:t>
-            </a:r>
-            <a:r>
-              <a:rPr lang="en-US" dirty="0"/>
-              <a:t>:~/doc/</a:t>
-            </a:r>
-            <a:r>
-              <a:rPr lang="en-US" dirty="0" err="1"/>
-              <a:t>androidsec</a:t>
-            </a:r>
-            <a:r>
               <a:rPr lang="en-US" dirty="0"/>
               <a:t>$ </a:t>
             </a:r>
@@ -7047,18 +7006,6 @@
           </a:p>
           <a:p>
             <a:r>
-              <a:rPr lang="en-US" dirty="0" err="1"/>
-              <a:t>jyheo@iSysLab-PEN</a:t>
-            </a:r>
-            <a:r>
-              <a:rPr lang="en-US" dirty="0"/>
-              <a:t>:~/doc/</a:t>
-            </a:r>
-            <a:r>
-              <a:rPr lang="en-US" dirty="0" err="1"/>
-              <a:t>androidsec</a:t>
-            </a:r>
-            <a:r>
               <a:rPr lang="en-US" dirty="0"/>
               <a:t>$ </a:t>
             </a:r>
@@ -7069,20 +7016,8 @@
           </a:p>
           <a:p>
             <a:r>
-              <a:rPr lang="en-US" dirty="0" err="1"/>
-              <a:t>jyheo@iSysLab-PEN</a:t>
-            </a:r>
-            <a:r>
-              <a:rPr lang="en-US" dirty="0"/>
-              <a:t>:~/doc/</a:t>
-            </a:r>
-            <a:r>
-              <a:rPr lang="en-US" dirty="0" err="1"/>
-              <a:t>androidsec</a:t>
-            </a:r>
-            <a:r>
-              <a:rPr lang="en-US" dirty="0"/>
-              <a:t>/app-debug$ </a:t>
+              <a:rPr lang="en-US" dirty="0"/>
+              <a:t>$ </a:t>
             </a:r>
             <a:r>
               <a:rPr lang="en-US" b="1" dirty="0"/>
@@ -7121,20 +7056,8 @@
           </a:p>
           <a:p>
             <a:r>
-              <a:rPr lang="en-US" dirty="0" err="1"/>
-              <a:t>jyheo@iSysLab-PEN</a:t>
-            </a:r>
-            <a:r>
-              <a:rPr lang="en-US" dirty="0"/>
-              <a:t>:~/doc/</a:t>
-            </a:r>
-            <a:r>
-              <a:rPr lang="en-US" dirty="0" err="1"/>
-              <a:t>androidsec</a:t>
-            </a:r>
-            <a:r>
-              <a:rPr lang="en-US" dirty="0"/>
-              <a:t>/app-debug$</a:t>
+              <a:rPr lang="en-US" dirty="0"/>
+              <a:t>$</a:t>
             </a:r>
           </a:p>
         </p:txBody>
